--- a/DryIlustrationAssigment.pptx
+++ b/DryIlustrationAssigment.pptx
@@ -2961,7 +2961,7 @@
         <p:spPr>
           <a:xfrm>
             <a:off x="8349504" y="672550"/>
-            <a:ext cx="1840784" cy="1492305"/>
+            <a:ext cx="1840784" cy="1709174"/>
           </a:xfrm>
           <a:prstGeom prst="roundRect">
             <a:avLst/>
@@ -2998,6 +2998,16 @@
             <a:r>
               <a:rPr lang="en-US" sz="1600" dirty="0"/>
               <a:t>ID</a:t>
+            </a:r>
+          </a:p>
+          <a:p>
+            <a:pPr marL="285750" indent="-285750">
+              <a:buFont typeface="Arial" panose="020B0604020202020204" pitchFamily="34" charset="0"/>
+              <a:buChar char="•"/>
+            </a:pPr>
+            <a:r>
+              <a:rPr lang="en-US" sz="1600" dirty="0"/>
+              <a:t>grade</a:t>
             </a:r>
             <a:endParaRPr lang="he-IL" sz="1600" dirty="0"/>
           </a:p>
@@ -6206,8 +6216,8 @@
         </p:nvSpPr>
         <p:spPr>
           <a:xfrm>
-            <a:off x="4253966" y="4932485"/>
-            <a:ext cx="1519121" cy="1419928"/>
+            <a:off x="4253966" y="4932484"/>
+            <a:ext cx="1519121" cy="1675705"/>
           </a:xfrm>
           <a:prstGeom prst="roundRect">
             <a:avLst/>
@@ -6245,7 +6255,6 @@
               <a:rPr lang="en-US" sz="1600" dirty="0"/>
               <a:t>ID</a:t>
             </a:r>
-            <a:endParaRPr lang="he-IL" sz="1600" dirty="0"/>
           </a:p>
           <a:p>
             <a:pPr marL="285750" indent="-285750">
@@ -6254,8 +6263,9 @@
             </a:pPr>
             <a:r>
               <a:rPr lang="en-US" sz="1600" dirty="0"/>
-              <a:t>PWR</a:t>
-            </a:r>
+              <a:t>grade</a:t>
+            </a:r>
+            <a:endParaRPr lang="he-IL" sz="1600" dirty="0"/>
           </a:p>
           <a:p>
             <a:pPr marL="285750" indent="-285750">
@@ -6263,6 +6273,16 @@
               <a:buChar char="•"/>
             </a:pPr>
             <a:r>
+              <a:rPr lang="en-US" sz="1600" dirty="0"/>
+              <a:t>PWR</a:t>
+            </a:r>
+          </a:p>
+          <a:p>
+            <a:pPr marL="285750" indent="-285750">
+              <a:buFont typeface="Arial" panose="020B0604020202020204" pitchFamily="34" charset="0"/>
+              <a:buChar char="•"/>
+            </a:pPr>
+            <a:r>
               <a:rPr lang="he-IL" sz="1600" dirty="0"/>
               <a:t>מצביע לצוות שלו</a:t>
             </a:r>
@@ -6273,6 +6293,7 @@
         <p:nvCxnSpPr>
           <p:cNvPr id="183" name="מחבר חץ ישר 182"/>
           <p:cNvCxnSpPr>
+            <a:cxnSpLocks/>
             <a:stCxn id="91" idx="6"/>
             <a:endCxn id="180" idx="1"/>
           </p:cNvCxnSpPr>
@@ -6280,8 +6301,8 @@
         </p:nvCxnSpPr>
         <p:spPr>
           <a:xfrm flipV="1">
-            <a:off x="3493429" y="5642449"/>
-            <a:ext cx="760537" cy="498978"/>
+            <a:off x="3493429" y="5770337"/>
+            <a:ext cx="760537" cy="371090"/>
           </a:xfrm>
           <a:prstGeom prst="straightConnector1">
             <a:avLst/>
@@ -6314,7 +6335,7 @@
         <p:spPr>
           <a:xfrm>
             <a:off x="6076171" y="3990868"/>
-            <a:ext cx="1519121" cy="1419928"/>
+            <a:ext cx="1519121" cy="1727176"/>
           </a:xfrm>
           <a:prstGeom prst="roundRect">
             <a:avLst/>
@@ -6352,7 +6373,6 @@
               <a:rPr lang="en-US" sz="1600" dirty="0"/>
               <a:t>ID</a:t>
             </a:r>
-            <a:endParaRPr lang="he-IL" sz="1600" dirty="0"/>
           </a:p>
           <a:p>
             <a:pPr marL="285750" indent="-285750">
@@ -6361,8 +6381,9 @@
             </a:pPr>
             <a:r>
               <a:rPr lang="en-US" sz="1600" dirty="0"/>
-              <a:t>PWR</a:t>
-            </a:r>
+              <a:t>grade</a:t>
+            </a:r>
+            <a:endParaRPr lang="he-IL" sz="1600" dirty="0"/>
           </a:p>
           <a:p>
             <a:pPr marL="285750" indent="-285750">
@@ -6370,6 +6391,16 @@
               <a:buChar char="•"/>
             </a:pPr>
             <a:r>
+              <a:rPr lang="en-US" sz="1600" dirty="0"/>
+              <a:t>PWR</a:t>
+            </a:r>
+          </a:p>
+          <a:p>
+            <a:pPr marL="285750" indent="-285750">
+              <a:buFont typeface="Arial" panose="020B0604020202020204" pitchFamily="34" charset="0"/>
+              <a:buChar char="•"/>
+            </a:pPr>
+            <a:r>
               <a:rPr lang="he-IL" sz="1600" dirty="0"/>
               <a:t>מצביע לצוות שלו</a:t>
             </a:r>
@@ -6380,6 +6411,7 @@
         <p:nvCxnSpPr>
           <p:cNvPr id="189" name="מחבר חץ ישר 188"/>
           <p:cNvCxnSpPr>
+            <a:cxnSpLocks/>
             <a:stCxn id="106" idx="1"/>
             <a:endCxn id="188" idx="3"/>
           </p:cNvCxnSpPr>
@@ -6387,8 +6419,8 @@
         </p:nvCxnSpPr>
         <p:spPr>
           <a:xfrm flipH="1" flipV="1">
-            <a:off x="7595292" y="4700832"/>
-            <a:ext cx="294502" cy="557924"/>
+            <a:off x="7595292" y="4854456"/>
+            <a:ext cx="294502" cy="404300"/>
           </a:xfrm>
           <a:prstGeom prst="straightConnector1">
             <a:avLst/>
@@ -6424,8 +6456,8 @@
         </p:nvCxnSpPr>
         <p:spPr>
           <a:xfrm flipV="1">
-            <a:off x="8037658" y="1418703"/>
-            <a:ext cx="311846" cy="1087596"/>
+            <a:off x="8037658" y="1527137"/>
+            <a:ext cx="311846" cy="979162"/>
           </a:xfrm>
           <a:prstGeom prst="straightConnector1">
             <a:avLst/>
@@ -6462,7 +6494,7 @@
         <p:spPr>
           <a:xfrm flipH="1" flipV="1">
             <a:off x="5226245" y="3606131"/>
-            <a:ext cx="1249750" cy="1367140"/>
+            <a:ext cx="1277237" cy="1652625"/>
           </a:xfrm>
           <a:prstGeom prst="straightConnector1">
             <a:avLst/>
@@ -6497,8 +6529,8 @@
         </p:nvCxnSpPr>
         <p:spPr>
           <a:xfrm flipV="1">
-            <a:off x="4645070" y="3606131"/>
-            <a:ext cx="341709" cy="2361546"/>
+            <a:off x="4656841" y="3606131"/>
+            <a:ext cx="329938" cy="2535296"/>
           </a:xfrm>
           <a:prstGeom prst="straightConnector1">
             <a:avLst/>
@@ -6526,13 +6558,15 @@
       <p:cxnSp>
         <p:nvCxnSpPr>
           <p:cNvPr id="204" name="מחבר חץ ישר 203"/>
-          <p:cNvCxnSpPr/>
+          <p:cNvCxnSpPr>
+            <a:cxnSpLocks/>
+          </p:cNvCxnSpPr>
           <p:nvPr/>
         </p:nvCxnSpPr>
         <p:spPr>
           <a:xfrm flipH="1" flipV="1">
-            <a:off x="6081670" y="937846"/>
-            <a:ext cx="2485903" cy="757853"/>
+            <a:off x="6081671" y="937847"/>
+            <a:ext cx="2625845" cy="1079052"/>
           </a:xfrm>
           <a:prstGeom prst="straightConnector1">
             <a:avLst/>
